--- a/Project Presentation Template.pptx
+++ b/Project Presentation Template.pptx
@@ -3201,7 +3201,7 @@
           <a:p>
             <a:fld id="{B7268E1E-0E44-426D-905E-8AD9B19D2182}" type="datetimeFigureOut">
               <a:rPr lang="cs-CZ" smtClean="0"/>
-              <a:t>06.10.2023</a:t>
+              <a:t>07.10.2023</a:t>
             </a:fld>
             <a:endParaRPr lang="cs-CZ"/>
           </a:p>
@@ -6694,7 +6694,7 @@
             <a:fld id="{1D8BD707-D9CF-40AE-B4C6-C98DA3205C09}" type="datetimeFigureOut">
               <a:rPr lang="en-US" smtClean="0"/>
               <a:pPr/>
-              <a:t>10/6/2023</a:t>
+              <a:t>10/7/2023</a:t>
             </a:fld>
             <a:endParaRPr lang="en-US"/>
           </a:p>
@@ -6859,7 +6859,7 @@
             <a:fld id="{1D8BD707-D9CF-40AE-B4C6-C98DA3205C09}" type="datetimeFigureOut">
               <a:rPr lang="en-US" smtClean="0"/>
               <a:pPr/>
-              <a:t>10/6/2023</a:t>
+              <a:t>10/7/2023</a:t>
             </a:fld>
             <a:endParaRPr lang="en-US"/>
           </a:p>
@@ -7034,7 +7034,7 @@
             <a:fld id="{1D8BD707-D9CF-40AE-B4C6-C98DA3205C09}" type="datetimeFigureOut">
               <a:rPr lang="en-US" smtClean="0"/>
               <a:pPr/>
-              <a:t>10/6/2023</a:t>
+              <a:t>10/7/2023</a:t>
             </a:fld>
             <a:endParaRPr lang="en-US"/>
           </a:p>
@@ -7199,7 +7199,7 @@
             <a:fld id="{1D8BD707-D9CF-40AE-B4C6-C98DA3205C09}" type="datetimeFigureOut">
               <a:rPr lang="en-US" smtClean="0"/>
               <a:pPr/>
-              <a:t>10/6/2023</a:t>
+              <a:t>10/7/2023</a:t>
             </a:fld>
             <a:endParaRPr lang="en-US"/>
           </a:p>
@@ -7441,7 +7441,7 @@
             <a:fld id="{1D8BD707-D9CF-40AE-B4C6-C98DA3205C09}" type="datetimeFigureOut">
               <a:rPr lang="en-US" smtClean="0"/>
               <a:pPr/>
-              <a:t>10/6/2023</a:t>
+              <a:t>10/7/2023</a:t>
             </a:fld>
             <a:endParaRPr lang="en-US"/>
           </a:p>
@@ -7723,7 +7723,7 @@
             <a:fld id="{1D8BD707-D9CF-40AE-B4C6-C98DA3205C09}" type="datetimeFigureOut">
               <a:rPr lang="en-US" smtClean="0"/>
               <a:pPr/>
-              <a:t>10/6/2023</a:t>
+              <a:t>10/7/2023</a:t>
             </a:fld>
             <a:endParaRPr lang="en-US"/>
           </a:p>
@@ -8139,7 +8139,7 @@
             <a:fld id="{1D8BD707-D9CF-40AE-B4C6-C98DA3205C09}" type="datetimeFigureOut">
               <a:rPr lang="en-US" smtClean="0"/>
               <a:pPr/>
-              <a:t>10/6/2023</a:t>
+              <a:t>10/7/2023</a:t>
             </a:fld>
             <a:endParaRPr lang="en-US"/>
           </a:p>
@@ -8253,7 +8253,7 @@
             <a:fld id="{1D8BD707-D9CF-40AE-B4C6-C98DA3205C09}" type="datetimeFigureOut">
               <a:rPr lang="en-US" smtClean="0"/>
               <a:pPr/>
-              <a:t>10/6/2023</a:t>
+              <a:t>10/7/2023</a:t>
             </a:fld>
             <a:endParaRPr lang="en-US"/>
           </a:p>
@@ -8345,7 +8345,7 @@
             <a:fld id="{1D8BD707-D9CF-40AE-B4C6-C98DA3205C09}" type="datetimeFigureOut">
               <a:rPr lang="en-US" smtClean="0"/>
               <a:pPr/>
-              <a:t>10/6/2023</a:t>
+              <a:t>10/7/2023</a:t>
             </a:fld>
             <a:endParaRPr lang="en-US"/>
           </a:p>
@@ -8617,7 +8617,7 @@
             <a:fld id="{1D8BD707-D9CF-40AE-B4C6-C98DA3205C09}" type="datetimeFigureOut">
               <a:rPr lang="en-US" smtClean="0"/>
               <a:pPr/>
-              <a:t>10/6/2023</a:t>
+              <a:t>10/7/2023</a:t>
             </a:fld>
             <a:endParaRPr lang="en-US"/>
           </a:p>
@@ -8866,7 +8866,7 @@
             <a:fld id="{1D8BD707-D9CF-40AE-B4C6-C98DA3205C09}" type="datetimeFigureOut">
               <a:rPr lang="en-US" smtClean="0"/>
               <a:pPr/>
-              <a:t>10/6/2023</a:t>
+              <a:t>10/7/2023</a:t>
             </a:fld>
             <a:endParaRPr lang="en-US"/>
           </a:p>
@@ -9074,7 +9074,7 @@
             <a:fld id="{1D8BD707-D9CF-40AE-B4C6-C98DA3205C09}" type="datetimeFigureOut">
               <a:rPr lang="en-US" smtClean="0"/>
               <a:pPr/>
-              <a:t>10/6/2023</a:t>
+              <a:t>10/7/2023</a:t>
             </a:fld>
             <a:endParaRPr lang="en-US"/>
           </a:p>
@@ -11589,7 +11589,7 @@
                 </a:solidFill>
                 <a:latin typeface="Arimo"/>
               </a:rPr>
-              <a:t>- Food Menu displayed along with filters</a:t>
+              <a:t>- Food Menu displayed</a:t>
             </a:r>
           </a:p>
           <a:p>
@@ -11943,7 +11943,7 @@
                 </a:solidFill>
                 <a:latin typeface="Arimo"/>
               </a:rPr>
-              <a:t> API</a:t>
+              <a:t> API and its database</a:t>
             </a:r>
           </a:p>
           <a:p>
